--- a/ppt 16-9/0616.主我爱你.pptx
+++ b/ppt 16-9/0616.主我爱你.pptx
@@ -5,7 +5,7 @@
     <p:sldMasterId id="2147483648" r:id="rId1"/>
   </p:sldMasterIdLst>
   <p:sldIdLst>
-    <p:sldId id="2406" r:id="rId2"/>
+    <p:sldId id="2407" r:id="rId2"/>
   </p:sldIdLst>
   <p:sldSz cx="12192000" cy="6858000"/>
   <p:notesSz cx="6858000" cy="9144000"/>
@@ -129,7 +129,7 @@
           <p:cNvPr id="2" name="标题 1">
             <a:extLst>
               <a:ext uri="{FF2B5EF4-FFF2-40B4-BE49-F238E27FC236}">
-                <a16:creationId xmlns:a16="http://schemas.microsoft.com/office/drawing/2014/main" id="{073A4561-858D-98C1-E427-2A2B8EEB674B}"/>
+                <a16:creationId xmlns:a16="http://schemas.microsoft.com/office/drawing/2014/main" id="{47CAA0EA-2C2A-10E8-8678-182F502879CD}"/>
               </a:ext>
             </a:extLst>
           </p:cNvPr>
@@ -166,7 +166,7 @@
           <p:cNvPr id="3" name="副标题 2">
             <a:extLst>
               <a:ext uri="{FF2B5EF4-FFF2-40B4-BE49-F238E27FC236}">
-                <a16:creationId xmlns:a16="http://schemas.microsoft.com/office/drawing/2014/main" id="{E70786C8-2C8A-315E-246A-3CF6B22095E4}"/>
+                <a16:creationId xmlns:a16="http://schemas.microsoft.com/office/drawing/2014/main" id="{4FB97FCE-5D2F-4309-B061-CB472DD6F539}"/>
               </a:ext>
             </a:extLst>
           </p:cNvPr>
@@ -236,7 +236,7 @@
           <p:cNvPr id="4" name="日期占位符 3">
             <a:extLst>
               <a:ext uri="{FF2B5EF4-FFF2-40B4-BE49-F238E27FC236}">
-                <a16:creationId xmlns:a16="http://schemas.microsoft.com/office/drawing/2014/main" id="{1B1D31D1-64BA-0BD1-8CF3-4494DE66994B}"/>
+                <a16:creationId xmlns:a16="http://schemas.microsoft.com/office/drawing/2014/main" id="{51DA26C9-8344-3758-D4FA-A15440034B51}"/>
               </a:ext>
             </a:extLst>
           </p:cNvPr>
@@ -252,7 +252,7 @@
           <a:bodyPr/>
           <a:lstStyle/>
           <a:p>
-            <a:fld id="{39E595A5-6CF5-404B-9E4F-3B9AB397BABD}" type="datetimeFigureOut">
+            <a:fld id="{6900C9B0-4FF3-4BF4-A8C9-24DA1F487F24}" type="datetimeFigureOut">
               <a:rPr lang="zh-CN" altLang="en-US" smtClean="0"/>
               <a:t>2024/3/10</a:t>
             </a:fld>
@@ -265,7 +265,7 @@
           <p:cNvPr id="5" name="页脚占位符 4">
             <a:extLst>
               <a:ext uri="{FF2B5EF4-FFF2-40B4-BE49-F238E27FC236}">
-                <a16:creationId xmlns:a16="http://schemas.microsoft.com/office/drawing/2014/main" id="{E32EB22D-2436-4B1F-A6E3-FCB6D45D38DB}"/>
+                <a16:creationId xmlns:a16="http://schemas.microsoft.com/office/drawing/2014/main" id="{924344B4-62B1-FF08-0DCD-D52C3027E62B}"/>
               </a:ext>
             </a:extLst>
           </p:cNvPr>
@@ -290,7 +290,7 @@
           <p:cNvPr id="6" name="灯片编号占位符 5">
             <a:extLst>
               <a:ext uri="{FF2B5EF4-FFF2-40B4-BE49-F238E27FC236}">
-                <a16:creationId xmlns:a16="http://schemas.microsoft.com/office/drawing/2014/main" id="{63FF0A72-8246-292E-9AE8-1E346A4968C0}"/>
+                <a16:creationId xmlns:a16="http://schemas.microsoft.com/office/drawing/2014/main" id="{B4FAB110-68E1-1D5F-B0BC-B3DC1D1414C8}"/>
               </a:ext>
             </a:extLst>
           </p:cNvPr>
@@ -306,7 +306,7 @@
           <a:bodyPr/>
           <a:lstStyle/>
           <a:p>
-            <a:fld id="{20638BB8-2F14-48D5-9495-98DA8E1EBC8E}" type="slidenum">
+            <a:fld id="{E45BB827-60FE-42DC-8FC7-548355BEE920}" type="slidenum">
               <a:rPr lang="zh-CN" altLang="en-US" smtClean="0"/>
               <a:t>‹#›</a:t>
             </a:fld>
@@ -317,7 +317,7 @@
     </p:spTree>
     <p:extLst>
       <p:ext uri="{BB962C8B-B14F-4D97-AF65-F5344CB8AC3E}">
-        <p14:creationId xmlns:p14="http://schemas.microsoft.com/office/powerpoint/2010/main" val="1412804777"/>
+        <p14:creationId xmlns:p14="http://schemas.microsoft.com/office/powerpoint/2010/main" val="2241078504"/>
       </p:ext>
     </p:extLst>
   </p:cSld>
@@ -349,7 +349,7 @@
           <p:cNvPr id="2" name="标题 1">
             <a:extLst>
               <a:ext uri="{FF2B5EF4-FFF2-40B4-BE49-F238E27FC236}">
-                <a16:creationId xmlns:a16="http://schemas.microsoft.com/office/drawing/2014/main" id="{2207A1F9-5796-9BE3-F8D2-25781E1ED2C5}"/>
+                <a16:creationId xmlns:a16="http://schemas.microsoft.com/office/drawing/2014/main" id="{37135C26-C797-BED5-471C-ECD3D3900D20}"/>
               </a:ext>
             </a:extLst>
           </p:cNvPr>
@@ -377,7 +377,7 @@
           <p:cNvPr id="3" name="竖排文字占位符 2">
             <a:extLst>
               <a:ext uri="{FF2B5EF4-FFF2-40B4-BE49-F238E27FC236}">
-                <a16:creationId xmlns:a16="http://schemas.microsoft.com/office/drawing/2014/main" id="{C46FF733-379B-0BEB-4193-22A5479FA7C7}"/>
+                <a16:creationId xmlns:a16="http://schemas.microsoft.com/office/drawing/2014/main" id="{0E6A9E24-E04F-E6F7-6072-E4A9ED981CD8}"/>
               </a:ext>
             </a:extLst>
           </p:cNvPr>
@@ -434,7 +434,7 @@
           <p:cNvPr id="4" name="日期占位符 3">
             <a:extLst>
               <a:ext uri="{FF2B5EF4-FFF2-40B4-BE49-F238E27FC236}">
-                <a16:creationId xmlns:a16="http://schemas.microsoft.com/office/drawing/2014/main" id="{3BC386F5-F989-6FE7-7767-F0FEA348E4CC}"/>
+                <a16:creationId xmlns:a16="http://schemas.microsoft.com/office/drawing/2014/main" id="{CD09B8C6-4FBB-830E-2EC0-A2BE57A2E71B}"/>
               </a:ext>
             </a:extLst>
           </p:cNvPr>
@@ -450,7 +450,7 @@
           <a:bodyPr/>
           <a:lstStyle/>
           <a:p>
-            <a:fld id="{39E595A5-6CF5-404B-9E4F-3B9AB397BABD}" type="datetimeFigureOut">
+            <a:fld id="{6900C9B0-4FF3-4BF4-A8C9-24DA1F487F24}" type="datetimeFigureOut">
               <a:rPr lang="zh-CN" altLang="en-US" smtClean="0"/>
               <a:t>2024/3/10</a:t>
             </a:fld>
@@ -463,7 +463,7 @@
           <p:cNvPr id="5" name="页脚占位符 4">
             <a:extLst>
               <a:ext uri="{FF2B5EF4-FFF2-40B4-BE49-F238E27FC236}">
-                <a16:creationId xmlns:a16="http://schemas.microsoft.com/office/drawing/2014/main" id="{B956816A-1069-1285-8256-E667D041B969}"/>
+                <a16:creationId xmlns:a16="http://schemas.microsoft.com/office/drawing/2014/main" id="{9CAF842D-E1D0-8322-0AA4-93734E36A44D}"/>
               </a:ext>
             </a:extLst>
           </p:cNvPr>
@@ -488,7 +488,7 @@
           <p:cNvPr id="6" name="灯片编号占位符 5">
             <a:extLst>
               <a:ext uri="{FF2B5EF4-FFF2-40B4-BE49-F238E27FC236}">
-                <a16:creationId xmlns:a16="http://schemas.microsoft.com/office/drawing/2014/main" id="{9F6020B9-8ED6-8633-F463-28B2FF2D5D48}"/>
+                <a16:creationId xmlns:a16="http://schemas.microsoft.com/office/drawing/2014/main" id="{A2E5B266-7F5D-48E8-E7C2-166D7F4A20BA}"/>
               </a:ext>
             </a:extLst>
           </p:cNvPr>
@@ -504,7 +504,7 @@
           <a:bodyPr/>
           <a:lstStyle/>
           <a:p>
-            <a:fld id="{20638BB8-2F14-48D5-9495-98DA8E1EBC8E}" type="slidenum">
+            <a:fld id="{E45BB827-60FE-42DC-8FC7-548355BEE920}" type="slidenum">
               <a:rPr lang="zh-CN" altLang="en-US" smtClean="0"/>
               <a:t>‹#›</a:t>
             </a:fld>
@@ -515,7 +515,7 @@
     </p:spTree>
     <p:extLst>
       <p:ext uri="{BB962C8B-B14F-4D97-AF65-F5344CB8AC3E}">
-        <p14:creationId xmlns:p14="http://schemas.microsoft.com/office/powerpoint/2010/main" val="4018261302"/>
+        <p14:creationId xmlns:p14="http://schemas.microsoft.com/office/powerpoint/2010/main" val="1451388735"/>
       </p:ext>
     </p:extLst>
   </p:cSld>
@@ -547,7 +547,7 @@
           <p:cNvPr id="2" name="竖排标题 1">
             <a:extLst>
               <a:ext uri="{FF2B5EF4-FFF2-40B4-BE49-F238E27FC236}">
-                <a16:creationId xmlns:a16="http://schemas.microsoft.com/office/drawing/2014/main" id="{F33D6F7C-1B6D-A8DF-C617-5566340725FE}"/>
+                <a16:creationId xmlns:a16="http://schemas.microsoft.com/office/drawing/2014/main" id="{9D4E7512-4841-2FFF-24A7-DA26D146321D}"/>
               </a:ext>
             </a:extLst>
           </p:cNvPr>
@@ -580,7 +580,7 @@
           <p:cNvPr id="3" name="竖排文字占位符 2">
             <a:extLst>
               <a:ext uri="{FF2B5EF4-FFF2-40B4-BE49-F238E27FC236}">
-                <a16:creationId xmlns:a16="http://schemas.microsoft.com/office/drawing/2014/main" id="{DA8C598A-9F32-A0E2-20F8-17FF85D861FD}"/>
+                <a16:creationId xmlns:a16="http://schemas.microsoft.com/office/drawing/2014/main" id="{204ACE66-E1FD-7D28-4589-6384173E2BD8}"/>
               </a:ext>
             </a:extLst>
           </p:cNvPr>
@@ -642,7 +642,7 @@
           <p:cNvPr id="4" name="日期占位符 3">
             <a:extLst>
               <a:ext uri="{FF2B5EF4-FFF2-40B4-BE49-F238E27FC236}">
-                <a16:creationId xmlns:a16="http://schemas.microsoft.com/office/drawing/2014/main" id="{6F83708E-6C62-FFD9-8699-2279042D5070}"/>
+                <a16:creationId xmlns:a16="http://schemas.microsoft.com/office/drawing/2014/main" id="{9B3C89D0-73BD-D461-23B1-C4D539506AB2}"/>
               </a:ext>
             </a:extLst>
           </p:cNvPr>
@@ -658,7 +658,7 @@
           <a:bodyPr/>
           <a:lstStyle/>
           <a:p>
-            <a:fld id="{39E595A5-6CF5-404B-9E4F-3B9AB397BABD}" type="datetimeFigureOut">
+            <a:fld id="{6900C9B0-4FF3-4BF4-A8C9-24DA1F487F24}" type="datetimeFigureOut">
               <a:rPr lang="zh-CN" altLang="en-US" smtClean="0"/>
               <a:t>2024/3/10</a:t>
             </a:fld>
@@ -671,7 +671,7 @@
           <p:cNvPr id="5" name="页脚占位符 4">
             <a:extLst>
               <a:ext uri="{FF2B5EF4-FFF2-40B4-BE49-F238E27FC236}">
-                <a16:creationId xmlns:a16="http://schemas.microsoft.com/office/drawing/2014/main" id="{3C900CD3-EA52-D7E7-0285-6B77C78D9526}"/>
+                <a16:creationId xmlns:a16="http://schemas.microsoft.com/office/drawing/2014/main" id="{C45ED352-F9C6-E6E7-21DD-705BF4216C72}"/>
               </a:ext>
             </a:extLst>
           </p:cNvPr>
@@ -696,7 +696,7 @@
           <p:cNvPr id="6" name="灯片编号占位符 5">
             <a:extLst>
               <a:ext uri="{FF2B5EF4-FFF2-40B4-BE49-F238E27FC236}">
-                <a16:creationId xmlns:a16="http://schemas.microsoft.com/office/drawing/2014/main" id="{F2AD7FF2-120C-BD96-887C-4DC9A926CEDB}"/>
+                <a16:creationId xmlns:a16="http://schemas.microsoft.com/office/drawing/2014/main" id="{2E70D39B-15EB-68BE-9CAD-B995AAFAAF44}"/>
               </a:ext>
             </a:extLst>
           </p:cNvPr>
@@ -712,7 +712,7 @@
           <a:bodyPr/>
           <a:lstStyle/>
           <a:p>
-            <a:fld id="{20638BB8-2F14-48D5-9495-98DA8E1EBC8E}" type="slidenum">
+            <a:fld id="{E45BB827-60FE-42DC-8FC7-548355BEE920}" type="slidenum">
               <a:rPr lang="zh-CN" altLang="en-US" smtClean="0"/>
               <a:t>‹#›</a:t>
             </a:fld>
@@ -723,7 +723,7 @@
     </p:spTree>
     <p:extLst>
       <p:ext uri="{BB962C8B-B14F-4D97-AF65-F5344CB8AC3E}">
-        <p14:creationId xmlns:p14="http://schemas.microsoft.com/office/powerpoint/2010/main" val="3699176745"/>
+        <p14:creationId xmlns:p14="http://schemas.microsoft.com/office/powerpoint/2010/main" val="1831572297"/>
       </p:ext>
     </p:extLst>
   </p:cSld>
@@ -755,7 +755,7 @@
           <p:cNvPr id="2" name="标题 1">
             <a:extLst>
               <a:ext uri="{FF2B5EF4-FFF2-40B4-BE49-F238E27FC236}">
-                <a16:creationId xmlns:a16="http://schemas.microsoft.com/office/drawing/2014/main" id="{A174968B-658A-D43D-598D-A5BC676E95FA}"/>
+                <a16:creationId xmlns:a16="http://schemas.microsoft.com/office/drawing/2014/main" id="{ADB8CDCF-CFB3-63C5-3824-FC516189349D}"/>
               </a:ext>
             </a:extLst>
           </p:cNvPr>
@@ -783,7 +783,7 @@
           <p:cNvPr id="3" name="内容占位符 2">
             <a:extLst>
               <a:ext uri="{FF2B5EF4-FFF2-40B4-BE49-F238E27FC236}">
-                <a16:creationId xmlns:a16="http://schemas.microsoft.com/office/drawing/2014/main" id="{2286C0D7-44FF-DC37-6320-9D5CD1100DD4}"/>
+                <a16:creationId xmlns:a16="http://schemas.microsoft.com/office/drawing/2014/main" id="{3ACD3C30-2D0F-9402-0C80-81E27C5D1EA9}"/>
               </a:ext>
             </a:extLst>
           </p:cNvPr>
@@ -840,7 +840,7 @@
           <p:cNvPr id="4" name="日期占位符 3">
             <a:extLst>
               <a:ext uri="{FF2B5EF4-FFF2-40B4-BE49-F238E27FC236}">
-                <a16:creationId xmlns:a16="http://schemas.microsoft.com/office/drawing/2014/main" id="{C3F5A83E-923A-10EF-E0F2-6CFB4ACBE834}"/>
+                <a16:creationId xmlns:a16="http://schemas.microsoft.com/office/drawing/2014/main" id="{081F9E87-FAA5-A0BE-1F72-853E30E3B3E7}"/>
               </a:ext>
             </a:extLst>
           </p:cNvPr>
@@ -856,7 +856,7 @@
           <a:bodyPr/>
           <a:lstStyle/>
           <a:p>
-            <a:fld id="{39E595A5-6CF5-404B-9E4F-3B9AB397BABD}" type="datetimeFigureOut">
+            <a:fld id="{6900C9B0-4FF3-4BF4-A8C9-24DA1F487F24}" type="datetimeFigureOut">
               <a:rPr lang="zh-CN" altLang="en-US" smtClean="0"/>
               <a:t>2024/3/10</a:t>
             </a:fld>
@@ -869,7 +869,7 @@
           <p:cNvPr id="5" name="页脚占位符 4">
             <a:extLst>
               <a:ext uri="{FF2B5EF4-FFF2-40B4-BE49-F238E27FC236}">
-                <a16:creationId xmlns:a16="http://schemas.microsoft.com/office/drawing/2014/main" id="{894FD30C-C4CB-4CA6-C89B-5BF6C60A8745}"/>
+                <a16:creationId xmlns:a16="http://schemas.microsoft.com/office/drawing/2014/main" id="{98534740-CBAF-8734-4E3C-5ADB529937CA}"/>
               </a:ext>
             </a:extLst>
           </p:cNvPr>
@@ -894,7 +894,7 @@
           <p:cNvPr id="6" name="灯片编号占位符 5">
             <a:extLst>
               <a:ext uri="{FF2B5EF4-FFF2-40B4-BE49-F238E27FC236}">
-                <a16:creationId xmlns:a16="http://schemas.microsoft.com/office/drawing/2014/main" id="{F9CB76E5-FBC7-4096-67AF-D7F80C79D77F}"/>
+                <a16:creationId xmlns:a16="http://schemas.microsoft.com/office/drawing/2014/main" id="{27EE83D9-B535-4090-3FE5-B4A39824F933}"/>
               </a:ext>
             </a:extLst>
           </p:cNvPr>
@@ -910,7 +910,7 @@
           <a:bodyPr/>
           <a:lstStyle/>
           <a:p>
-            <a:fld id="{20638BB8-2F14-48D5-9495-98DA8E1EBC8E}" type="slidenum">
+            <a:fld id="{E45BB827-60FE-42DC-8FC7-548355BEE920}" type="slidenum">
               <a:rPr lang="zh-CN" altLang="en-US" smtClean="0"/>
               <a:t>‹#›</a:t>
             </a:fld>
@@ -921,7 +921,7 @@
     </p:spTree>
     <p:extLst>
       <p:ext uri="{BB962C8B-B14F-4D97-AF65-F5344CB8AC3E}">
-        <p14:creationId xmlns:p14="http://schemas.microsoft.com/office/powerpoint/2010/main" val="3045216607"/>
+        <p14:creationId xmlns:p14="http://schemas.microsoft.com/office/powerpoint/2010/main" val="4034229528"/>
       </p:ext>
     </p:extLst>
   </p:cSld>
@@ -953,7 +953,7 @@
           <p:cNvPr id="2" name="标题 1">
             <a:extLst>
               <a:ext uri="{FF2B5EF4-FFF2-40B4-BE49-F238E27FC236}">
-                <a16:creationId xmlns:a16="http://schemas.microsoft.com/office/drawing/2014/main" id="{70AA00A3-1644-13DF-B8A7-556C9BA276CD}"/>
+                <a16:creationId xmlns:a16="http://schemas.microsoft.com/office/drawing/2014/main" id="{496327E2-A308-6B66-BF43-B693F55589B1}"/>
               </a:ext>
             </a:extLst>
           </p:cNvPr>
@@ -990,7 +990,7 @@
           <p:cNvPr id="3" name="文本占位符 2">
             <a:extLst>
               <a:ext uri="{FF2B5EF4-FFF2-40B4-BE49-F238E27FC236}">
-                <a16:creationId xmlns:a16="http://schemas.microsoft.com/office/drawing/2014/main" id="{0A79FE33-79EE-DCA3-65BF-BF77674EC717}"/>
+                <a16:creationId xmlns:a16="http://schemas.microsoft.com/office/drawing/2014/main" id="{83DC7898-E234-4244-0A40-B96422EE6EF1}"/>
               </a:ext>
             </a:extLst>
           </p:cNvPr>
@@ -1115,7 +1115,7 @@
           <p:cNvPr id="4" name="日期占位符 3">
             <a:extLst>
               <a:ext uri="{FF2B5EF4-FFF2-40B4-BE49-F238E27FC236}">
-                <a16:creationId xmlns:a16="http://schemas.microsoft.com/office/drawing/2014/main" id="{B6DF94FE-41B6-6031-D9B4-F2780609DC37}"/>
+                <a16:creationId xmlns:a16="http://schemas.microsoft.com/office/drawing/2014/main" id="{C4F0E353-6942-EB89-5308-D03AB65B4C9E}"/>
               </a:ext>
             </a:extLst>
           </p:cNvPr>
@@ -1131,7 +1131,7 @@
           <a:bodyPr/>
           <a:lstStyle/>
           <a:p>
-            <a:fld id="{39E595A5-6CF5-404B-9E4F-3B9AB397BABD}" type="datetimeFigureOut">
+            <a:fld id="{6900C9B0-4FF3-4BF4-A8C9-24DA1F487F24}" type="datetimeFigureOut">
               <a:rPr lang="zh-CN" altLang="en-US" smtClean="0"/>
               <a:t>2024/3/10</a:t>
             </a:fld>
@@ -1144,7 +1144,7 @@
           <p:cNvPr id="5" name="页脚占位符 4">
             <a:extLst>
               <a:ext uri="{FF2B5EF4-FFF2-40B4-BE49-F238E27FC236}">
-                <a16:creationId xmlns:a16="http://schemas.microsoft.com/office/drawing/2014/main" id="{AC24195F-6C39-3D37-DFDA-30CBCFA59F7A}"/>
+                <a16:creationId xmlns:a16="http://schemas.microsoft.com/office/drawing/2014/main" id="{2B343267-1F00-C950-0F69-7F891CE124C6}"/>
               </a:ext>
             </a:extLst>
           </p:cNvPr>
@@ -1169,7 +1169,7 @@
           <p:cNvPr id="6" name="灯片编号占位符 5">
             <a:extLst>
               <a:ext uri="{FF2B5EF4-FFF2-40B4-BE49-F238E27FC236}">
-                <a16:creationId xmlns:a16="http://schemas.microsoft.com/office/drawing/2014/main" id="{DAA65D31-DCBA-AF23-18A2-E8E6A8B2D326}"/>
+                <a16:creationId xmlns:a16="http://schemas.microsoft.com/office/drawing/2014/main" id="{837689B5-E8E3-619E-A5D1-0E0A6C6F44B3}"/>
               </a:ext>
             </a:extLst>
           </p:cNvPr>
@@ -1185,7 +1185,7 @@
           <a:bodyPr/>
           <a:lstStyle/>
           <a:p>
-            <a:fld id="{20638BB8-2F14-48D5-9495-98DA8E1EBC8E}" type="slidenum">
+            <a:fld id="{E45BB827-60FE-42DC-8FC7-548355BEE920}" type="slidenum">
               <a:rPr lang="zh-CN" altLang="en-US" smtClean="0"/>
               <a:t>‹#›</a:t>
             </a:fld>
@@ -1196,7 +1196,7 @@
     </p:spTree>
     <p:extLst>
       <p:ext uri="{BB962C8B-B14F-4D97-AF65-F5344CB8AC3E}">
-        <p14:creationId xmlns:p14="http://schemas.microsoft.com/office/powerpoint/2010/main" val="800696248"/>
+        <p14:creationId xmlns:p14="http://schemas.microsoft.com/office/powerpoint/2010/main" val="1991641248"/>
       </p:ext>
     </p:extLst>
   </p:cSld>
@@ -1228,7 +1228,7 @@
           <p:cNvPr id="2" name="标题 1">
             <a:extLst>
               <a:ext uri="{FF2B5EF4-FFF2-40B4-BE49-F238E27FC236}">
-                <a16:creationId xmlns:a16="http://schemas.microsoft.com/office/drawing/2014/main" id="{9068A392-13CB-9213-5158-C446F5BA0260}"/>
+                <a16:creationId xmlns:a16="http://schemas.microsoft.com/office/drawing/2014/main" id="{2729E086-1989-B913-1883-26F30F9ECE60}"/>
               </a:ext>
             </a:extLst>
           </p:cNvPr>
@@ -1256,7 +1256,7 @@
           <p:cNvPr id="3" name="内容占位符 2">
             <a:extLst>
               <a:ext uri="{FF2B5EF4-FFF2-40B4-BE49-F238E27FC236}">
-                <a16:creationId xmlns:a16="http://schemas.microsoft.com/office/drawing/2014/main" id="{0A79A201-7403-90DF-ABE7-2CDD61CDFEB7}"/>
+                <a16:creationId xmlns:a16="http://schemas.microsoft.com/office/drawing/2014/main" id="{C10FBFFD-3E26-8C59-125F-C6A897176F0E}"/>
               </a:ext>
             </a:extLst>
           </p:cNvPr>
@@ -1318,7 +1318,7 @@
           <p:cNvPr id="4" name="内容占位符 3">
             <a:extLst>
               <a:ext uri="{FF2B5EF4-FFF2-40B4-BE49-F238E27FC236}">
-                <a16:creationId xmlns:a16="http://schemas.microsoft.com/office/drawing/2014/main" id="{B8EE19B4-962E-38D7-5327-CE2AFED84D25}"/>
+                <a16:creationId xmlns:a16="http://schemas.microsoft.com/office/drawing/2014/main" id="{4205B8CF-9A8C-0DF6-3240-54455DA6552F}"/>
               </a:ext>
             </a:extLst>
           </p:cNvPr>
@@ -1380,7 +1380,7 @@
           <p:cNvPr id="5" name="日期占位符 4">
             <a:extLst>
               <a:ext uri="{FF2B5EF4-FFF2-40B4-BE49-F238E27FC236}">
-                <a16:creationId xmlns:a16="http://schemas.microsoft.com/office/drawing/2014/main" id="{CBD23D1F-5564-0F11-8F94-A3C40D1FFA8B}"/>
+                <a16:creationId xmlns:a16="http://schemas.microsoft.com/office/drawing/2014/main" id="{F8632324-3BA4-C097-BC90-BE2B325A7AA7}"/>
               </a:ext>
             </a:extLst>
           </p:cNvPr>
@@ -1396,7 +1396,7 @@
           <a:bodyPr/>
           <a:lstStyle/>
           <a:p>
-            <a:fld id="{39E595A5-6CF5-404B-9E4F-3B9AB397BABD}" type="datetimeFigureOut">
+            <a:fld id="{6900C9B0-4FF3-4BF4-A8C9-24DA1F487F24}" type="datetimeFigureOut">
               <a:rPr lang="zh-CN" altLang="en-US" smtClean="0"/>
               <a:t>2024/3/10</a:t>
             </a:fld>
@@ -1409,7 +1409,7 @@
           <p:cNvPr id="6" name="页脚占位符 5">
             <a:extLst>
               <a:ext uri="{FF2B5EF4-FFF2-40B4-BE49-F238E27FC236}">
-                <a16:creationId xmlns:a16="http://schemas.microsoft.com/office/drawing/2014/main" id="{A028F1CD-620F-232A-050B-1314390B8DE3}"/>
+                <a16:creationId xmlns:a16="http://schemas.microsoft.com/office/drawing/2014/main" id="{EFA72172-B908-CC20-8A7D-3F66FF746441}"/>
               </a:ext>
             </a:extLst>
           </p:cNvPr>
@@ -1434,7 +1434,7 @@
           <p:cNvPr id="7" name="灯片编号占位符 6">
             <a:extLst>
               <a:ext uri="{FF2B5EF4-FFF2-40B4-BE49-F238E27FC236}">
-                <a16:creationId xmlns:a16="http://schemas.microsoft.com/office/drawing/2014/main" id="{49D468CF-BB3D-53D3-5A37-068AC5B87ED5}"/>
+                <a16:creationId xmlns:a16="http://schemas.microsoft.com/office/drawing/2014/main" id="{0E6D74B7-8CD8-D62D-7CA3-C7ED7CD14B70}"/>
               </a:ext>
             </a:extLst>
           </p:cNvPr>
@@ -1450,7 +1450,7 @@
           <a:bodyPr/>
           <a:lstStyle/>
           <a:p>
-            <a:fld id="{20638BB8-2F14-48D5-9495-98DA8E1EBC8E}" type="slidenum">
+            <a:fld id="{E45BB827-60FE-42DC-8FC7-548355BEE920}" type="slidenum">
               <a:rPr lang="zh-CN" altLang="en-US" smtClean="0"/>
               <a:t>‹#›</a:t>
             </a:fld>
@@ -1461,7 +1461,7 @@
     </p:spTree>
     <p:extLst>
       <p:ext uri="{BB962C8B-B14F-4D97-AF65-F5344CB8AC3E}">
-        <p14:creationId xmlns:p14="http://schemas.microsoft.com/office/powerpoint/2010/main" val="2732521703"/>
+        <p14:creationId xmlns:p14="http://schemas.microsoft.com/office/powerpoint/2010/main" val="224397555"/>
       </p:ext>
     </p:extLst>
   </p:cSld>
@@ -1493,7 +1493,7 @@
           <p:cNvPr id="2" name="标题 1">
             <a:extLst>
               <a:ext uri="{FF2B5EF4-FFF2-40B4-BE49-F238E27FC236}">
-                <a16:creationId xmlns:a16="http://schemas.microsoft.com/office/drawing/2014/main" id="{22EB5403-E52F-767F-9F2B-5201537C888B}"/>
+                <a16:creationId xmlns:a16="http://schemas.microsoft.com/office/drawing/2014/main" id="{EE0D9C49-161F-28D2-BBCE-A37A440DCB03}"/>
               </a:ext>
             </a:extLst>
           </p:cNvPr>
@@ -1526,7 +1526,7 @@
           <p:cNvPr id="3" name="文本占位符 2">
             <a:extLst>
               <a:ext uri="{FF2B5EF4-FFF2-40B4-BE49-F238E27FC236}">
-                <a16:creationId xmlns:a16="http://schemas.microsoft.com/office/drawing/2014/main" id="{02A9D3E8-8DD6-4E02-BF16-FC02F2DB1E8E}"/>
+                <a16:creationId xmlns:a16="http://schemas.microsoft.com/office/drawing/2014/main" id="{BBD5A127-98EB-A858-38A0-3BFDA54393CA}"/>
               </a:ext>
             </a:extLst>
           </p:cNvPr>
@@ -1597,7 +1597,7 @@
           <p:cNvPr id="4" name="内容占位符 3">
             <a:extLst>
               <a:ext uri="{FF2B5EF4-FFF2-40B4-BE49-F238E27FC236}">
-                <a16:creationId xmlns:a16="http://schemas.microsoft.com/office/drawing/2014/main" id="{DA5E209B-CAC5-11BB-34B7-82E7F4936852}"/>
+                <a16:creationId xmlns:a16="http://schemas.microsoft.com/office/drawing/2014/main" id="{98D6BC0C-526A-ADF7-7CFF-83CF2BC2BB38}"/>
               </a:ext>
             </a:extLst>
           </p:cNvPr>
@@ -1659,7 +1659,7 @@
           <p:cNvPr id="5" name="文本占位符 4">
             <a:extLst>
               <a:ext uri="{FF2B5EF4-FFF2-40B4-BE49-F238E27FC236}">
-                <a16:creationId xmlns:a16="http://schemas.microsoft.com/office/drawing/2014/main" id="{C87892FD-FEDD-C12C-4991-360C1962EB99}"/>
+                <a16:creationId xmlns:a16="http://schemas.microsoft.com/office/drawing/2014/main" id="{2ED50FA9-3AFD-E969-5C8B-1CFB7FA6FD9E}"/>
               </a:ext>
             </a:extLst>
           </p:cNvPr>
@@ -1730,7 +1730,7 @@
           <p:cNvPr id="6" name="内容占位符 5">
             <a:extLst>
               <a:ext uri="{FF2B5EF4-FFF2-40B4-BE49-F238E27FC236}">
-                <a16:creationId xmlns:a16="http://schemas.microsoft.com/office/drawing/2014/main" id="{21D34CC7-D40D-D7A1-A822-2C06AA0D25CB}"/>
+                <a16:creationId xmlns:a16="http://schemas.microsoft.com/office/drawing/2014/main" id="{AF9735FD-846E-57E0-4BC6-2AE969E82A01}"/>
               </a:ext>
             </a:extLst>
           </p:cNvPr>
@@ -1792,7 +1792,7 @@
           <p:cNvPr id="7" name="日期占位符 6">
             <a:extLst>
               <a:ext uri="{FF2B5EF4-FFF2-40B4-BE49-F238E27FC236}">
-                <a16:creationId xmlns:a16="http://schemas.microsoft.com/office/drawing/2014/main" id="{AFDD96DD-0E3C-75D5-8A75-C1BCD9691F66}"/>
+                <a16:creationId xmlns:a16="http://schemas.microsoft.com/office/drawing/2014/main" id="{CB817D3C-2352-8FB4-8171-80D5761601D3}"/>
               </a:ext>
             </a:extLst>
           </p:cNvPr>
@@ -1808,7 +1808,7 @@
           <a:bodyPr/>
           <a:lstStyle/>
           <a:p>
-            <a:fld id="{39E595A5-6CF5-404B-9E4F-3B9AB397BABD}" type="datetimeFigureOut">
+            <a:fld id="{6900C9B0-4FF3-4BF4-A8C9-24DA1F487F24}" type="datetimeFigureOut">
               <a:rPr lang="zh-CN" altLang="en-US" smtClean="0"/>
               <a:t>2024/3/10</a:t>
             </a:fld>
@@ -1821,7 +1821,7 @@
           <p:cNvPr id="8" name="页脚占位符 7">
             <a:extLst>
               <a:ext uri="{FF2B5EF4-FFF2-40B4-BE49-F238E27FC236}">
-                <a16:creationId xmlns:a16="http://schemas.microsoft.com/office/drawing/2014/main" id="{566949E2-1DE5-3CE4-43FC-092050AA0043}"/>
+                <a16:creationId xmlns:a16="http://schemas.microsoft.com/office/drawing/2014/main" id="{A24EFD4D-5838-7F6B-2963-089FEAECD46A}"/>
               </a:ext>
             </a:extLst>
           </p:cNvPr>
@@ -1846,7 +1846,7 @@
           <p:cNvPr id="9" name="灯片编号占位符 8">
             <a:extLst>
               <a:ext uri="{FF2B5EF4-FFF2-40B4-BE49-F238E27FC236}">
-                <a16:creationId xmlns:a16="http://schemas.microsoft.com/office/drawing/2014/main" id="{FF07FD3B-603A-F058-7251-77817AD17B49}"/>
+                <a16:creationId xmlns:a16="http://schemas.microsoft.com/office/drawing/2014/main" id="{A785B2BD-B054-D63D-F7FC-C0CC6D94DB3A}"/>
               </a:ext>
             </a:extLst>
           </p:cNvPr>
@@ -1862,7 +1862,7 @@
           <a:bodyPr/>
           <a:lstStyle/>
           <a:p>
-            <a:fld id="{20638BB8-2F14-48D5-9495-98DA8E1EBC8E}" type="slidenum">
+            <a:fld id="{E45BB827-60FE-42DC-8FC7-548355BEE920}" type="slidenum">
               <a:rPr lang="zh-CN" altLang="en-US" smtClean="0"/>
               <a:t>‹#›</a:t>
             </a:fld>
@@ -1873,7 +1873,7 @@
     </p:spTree>
     <p:extLst>
       <p:ext uri="{BB962C8B-B14F-4D97-AF65-F5344CB8AC3E}">
-        <p14:creationId xmlns:p14="http://schemas.microsoft.com/office/powerpoint/2010/main" val="222778469"/>
+        <p14:creationId xmlns:p14="http://schemas.microsoft.com/office/powerpoint/2010/main" val="2688035067"/>
       </p:ext>
     </p:extLst>
   </p:cSld>
@@ -1905,7 +1905,7 @@
           <p:cNvPr id="2" name="标题 1">
             <a:extLst>
               <a:ext uri="{FF2B5EF4-FFF2-40B4-BE49-F238E27FC236}">
-                <a16:creationId xmlns:a16="http://schemas.microsoft.com/office/drawing/2014/main" id="{3219AC48-1CE6-E3FA-730C-3129644B9AD8}"/>
+                <a16:creationId xmlns:a16="http://schemas.microsoft.com/office/drawing/2014/main" id="{870CDD66-03FA-6D97-4343-FAEE31F15B36}"/>
               </a:ext>
             </a:extLst>
           </p:cNvPr>
@@ -1933,7 +1933,7 @@
           <p:cNvPr id="3" name="日期占位符 2">
             <a:extLst>
               <a:ext uri="{FF2B5EF4-FFF2-40B4-BE49-F238E27FC236}">
-                <a16:creationId xmlns:a16="http://schemas.microsoft.com/office/drawing/2014/main" id="{A4DF9EB1-5AB1-8E00-290B-E498CE3293A3}"/>
+                <a16:creationId xmlns:a16="http://schemas.microsoft.com/office/drawing/2014/main" id="{A4359B95-4272-3D56-E3E9-1E4C083522AC}"/>
               </a:ext>
             </a:extLst>
           </p:cNvPr>
@@ -1949,7 +1949,7 @@
           <a:bodyPr/>
           <a:lstStyle/>
           <a:p>
-            <a:fld id="{39E595A5-6CF5-404B-9E4F-3B9AB397BABD}" type="datetimeFigureOut">
+            <a:fld id="{6900C9B0-4FF3-4BF4-A8C9-24DA1F487F24}" type="datetimeFigureOut">
               <a:rPr lang="zh-CN" altLang="en-US" smtClean="0"/>
               <a:t>2024/3/10</a:t>
             </a:fld>
@@ -1962,7 +1962,7 @@
           <p:cNvPr id="4" name="页脚占位符 3">
             <a:extLst>
               <a:ext uri="{FF2B5EF4-FFF2-40B4-BE49-F238E27FC236}">
-                <a16:creationId xmlns:a16="http://schemas.microsoft.com/office/drawing/2014/main" id="{38CE538A-4294-07CA-0772-7E508D5E60A9}"/>
+                <a16:creationId xmlns:a16="http://schemas.microsoft.com/office/drawing/2014/main" id="{B259B9AB-CDAC-450F-4B24-513EE53ACBAE}"/>
               </a:ext>
             </a:extLst>
           </p:cNvPr>
@@ -1987,7 +1987,7 @@
           <p:cNvPr id="5" name="灯片编号占位符 4">
             <a:extLst>
               <a:ext uri="{FF2B5EF4-FFF2-40B4-BE49-F238E27FC236}">
-                <a16:creationId xmlns:a16="http://schemas.microsoft.com/office/drawing/2014/main" id="{F7A535DE-4FB4-43BA-781F-B52CD6325196}"/>
+                <a16:creationId xmlns:a16="http://schemas.microsoft.com/office/drawing/2014/main" id="{A8EB2D5C-5066-06CC-AE27-864293DD7226}"/>
               </a:ext>
             </a:extLst>
           </p:cNvPr>
@@ -2003,7 +2003,7 @@
           <a:bodyPr/>
           <a:lstStyle/>
           <a:p>
-            <a:fld id="{20638BB8-2F14-48D5-9495-98DA8E1EBC8E}" type="slidenum">
+            <a:fld id="{E45BB827-60FE-42DC-8FC7-548355BEE920}" type="slidenum">
               <a:rPr lang="zh-CN" altLang="en-US" smtClean="0"/>
               <a:t>‹#›</a:t>
             </a:fld>
@@ -2014,7 +2014,7 @@
     </p:spTree>
     <p:extLst>
       <p:ext uri="{BB962C8B-B14F-4D97-AF65-F5344CB8AC3E}">
-        <p14:creationId xmlns:p14="http://schemas.microsoft.com/office/powerpoint/2010/main" val="1537719369"/>
+        <p14:creationId xmlns:p14="http://schemas.microsoft.com/office/powerpoint/2010/main" val="330042877"/>
       </p:ext>
     </p:extLst>
   </p:cSld>
@@ -2046,7 +2046,7 @@
           <p:cNvPr id="2" name="日期占位符 1">
             <a:extLst>
               <a:ext uri="{FF2B5EF4-FFF2-40B4-BE49-F238E27FC236}">
-                <a16:creationId xmlns:a16="http://schemas.microsoft.com/office/drawing/2014/main" id="{C73FD86A-7D6B-BEB6-C831-B12F8302C386}"/>
+                <a16:creationId xmlns:a16="http://schemas.microsoft.com/office/drawing/2014/main" id="{BF53179D-E536-93C8-07AA-3A1184499DEE}"/>
               </a:ext>
             </a:extLst>
           </p:cNvPr>
@@ -2062,7 +2062,7 @@
           <a:bodyPr/>
           <a:lstStyle/>
           <a:p>
-            <a:fld id="{39E595A5-6CF5-404B-9E4F-3B9AB397BABD}" type="datetimeFigureOut">
+            <a:fld id="{6900C9B0-4FF3-4BF4-A8C9-24DA1F487F24}" type="datetimeFigureOut">
               <a:rPr lang="zh-CN" altLang="en-US" smtClean="0"/>
               <a:t>2024/3/10</a:t>
             </a:fld>
@@ -2075,7 +2075,7 @@
           <p:cNvPr id="3" name="页脚占位符 2">
             <a:extLst>
               <a:ext uri="{FF2B5EF4-FFF2-40B4-BE49-F238E27FC236}">
-                <a16:creationId xmlns:a16="http://schemas.microsoft.com/office/drawing/2014/main" id="{D02CB8F0-5B23-20F5-BB1D-D46989BEC8D4}"/>
+                <a16:creationId xmlns:a16="http://schemas.microsoft.com/office/drawing/2014/main" id="{592FEAF4-A575-1406-FA87-84DDF4A5AE83}"/>
               </a:ext>
             </a:extLst>
           </p:cNvPr>
@@ -2100,7 +2100,7 @@
           <p:cNvPr id="4" name="灯片编号占位符 3">
             <a:extLst>
               <a:ext uri="{FF2B5EF4-FFF2-40B4-BE49-F238E27FC236}">
-                <a16:creationId xmlns:a16="http://schemas.microsoft.com/office/drawing/2014/main" id="{3333BCAF-DC2B-DF76-A5B1-CE2D98B84EE2}"/>
+                <a16:creationId xmlns:a16="http://schemas.microsoft.com/office/drawing/2014/main" id="{66E96D20-9730-231B-F1A2-21262DB95C84}"/>
               </a:ext>
             </a:extLst>
           </p:cNvPr>
@@ -2116,7 +2116,7 @@
           <a:bodyPr/>
           <a:lstStyle/>
           <a:p>
-            <a:fld id="{20638BB8-2F14-48D5-9495-98DA8E1EBC8E}" type="slidenum">
+            <a:fld id="{E45BB827-60FE-42DC-8FC7-548355BEE920}" type="slidenum">
               <a:rPr lang="zh-CN" altLang="en-US" smtClean="0"/>
               <a:t>‹#›</a:t>
             </a:fld>
@@ -2127,7 +2127,7 @@
     </p:spTree>
     <p:extLst>
       <p:ext uri="{BB962C8B-B14F-4D97-AF65-F5344CB8AC3E}">
-        <p14:creationId xmlns:p14="http://schemas.microsoft.com/office/powerpoint/2010/main" val="2414126694"/>
+        <p14:creationId xmlns:p14="http://schemas.microsoft.com/office/powerpoint/2010/main" val="1479013430"/>
       </p:ext>
     </p:extLst>
   </p:cSld>
@@ -2159,7 +2159,7 @@
           <p:cNvPr id="2" name="标题 1">
             <a:extLst>
               <a:ext uri="{FF2B5EF4-FFF2-40B4-BE49-F238E27FC236}">
-                <a16:creationId xmlns:a16="http://schemas.microsoft.com/office/drawing/2014/main" id="{74DC1C7B-1A2E-1E59-4F35-16147DF45CE0}"/>
+                <a16:creationId xmlns:a16="http://schemas.microsoft.com/office/drawing/2014/main" id="{CA50C8D4-E7E5-306B-0097-8B284E7B643A}"/>
               </a:ext>
             </a:extLst>
           </p:cNvPr>
@@ -2196,7 +2196,7 @@
           <p:cNvPr id="3" name="内容占位符 2">
             <a:extLst>
               <a:ext uri="{FF2B5EF4-FFF2-40B4-BE49-F238E27FC236}">
-                <a16:creationId xmlns:a16="http://schemas.microsoft.com/office/drawing/2014/main" id="{C1F2C810-2F70-02BA-A6E7-1F315B14F391}"/>
+                <a16:creationId xmlns:a16="http://schemas.microsoft.com/office/drawing/2014/main" id="{1F7D5CFF-32B8-A03B-E37E-C5AC95ECA63A}"/>
               </a:ext>
             </a:extLst>
           </p:cNvPr>
@@ -2286,7 +2286,7 @@
           <p:cNvPr id="4" name="文本占位符 3">
             <a:extLst>
               <a:ext uri="{FF2B5EF4-FFF2-40B4-BE49-F238E27FC236}">
-                <a16:creationId xmlns:a16="http://schemas.microsoft.com/office/drawing/2014/main" id="{B8CF8445-CBD2-D09E-853D-A43C94919120}"/>
+                <a16:creationId xmlns:a16="http://schemas.microsoft.com/office/drawing/2014/main" id="{70CF26DF-DB49-10FE-3590-83C8AA75B0FD}"/>
               </a:ext>
             </a:extLst>
           </p:cNvPr>
@@ -2357,7 +2357,7 @@
           <p:cNvPr id="5" name="日期占位符 4">
             <a:extLst>
               <a:ext uri="{FF2B5EF4-FFF2-40B4-BE49-F238E27FC236}">
-                <a16:creationId xmlns:a16="http://schemas.microsoft.com/office/drawing/2014/main" id="{016220F7-2524-C237-6613-7FC05B995EEA}"/>
+                <a16:creationId xmlns:a16="http://schemas.microsoft.com/office/drawing/2014/main" id="{C6C387B8-F4E0-BCA8-56F7-F4F7AADC551F}"/>
               </a:ext>
             </a:extLst>
           </p:cNvPr>
@@ -2373,7 +2373,7 @@
           <a:bodyPr/>
           <a:lstStyle/>
           <a:p>
-            <a:fld id="{39E595A5-6CF5-404B-9E4F-3B9AB397BABD}" type="datetimeFigureOut">
+            <a:fld id="{6900C9B0-4FF3-4BF4-A8C9-24DA1F487F24}" type="datetimeFigureOut">
               <a:rPr lang="zh-CN" altLang="en-US" smtClean="0"/>
               <a:t>2024/3/10</a:t>
             </a:fld>
@@ -2386,7 +2386,7 @@
           <p:cNvPr id="6" name="页脚占位符 5">
             <a:extLst>
               <a:ext uri="{FF2B5EF4-FFF2-40B4-BE49-F238E27FC236}">
-                <a16:creationId xmlns:a16="http://schemas.microsoft.com/office/drawing/2014/main" id="{0006F53A-838D-32D5-7914-03B34E74E597}"/>
+                <a16:creationId xmlns:a16="http://schemas.microsoft.com/office/drawing/2014/main" id="{68245CA0-5454-C996-F652-35DA586E408F}"/>
               </a:ext>
             </a:extLst>
           </p:cNvPr>
@@ -2411,7 +2411,7 @@
           <p:cNvPr id="7" name="灯片编号占位符 6">
             <a:extLst>
               <a:ext uri="{FF2B5EF4-FFF2-40B4-BE49-F238E27FC236}">
-                <a16:creationId xmlns:a16="http://schemas.microsoft.com/office/drawing/2014/main" id="{E58F9902-3D2C-C30C-07E2-7F59E284AAD6}"/>
+                <a16:creationId xmlns:a16="http://schemas.microsoft.com/office/drawing/2014/main" id="{7B55BEEF-8B5E-9B80-7F86-7E13142C33EF}"/>
               </a:ext>
             </a:extLst>
           </p:cNvPr>
@@ -2427,7 +2427,7 @@
           <a:bodyPr/>
           <a:lstStyle/>
           <a:p>
-            <a:fld id="{20638BB8-2F14-48D5-9495-98DA8E1EBC8E}" type="slidenum">
+            <a:fld id="{E45BB827-60FE-42DC-8FC7-548355BEE920}" type="slidenum">
               <a:rPr lang="zh-CN" altLang="en-US" smtClean="0"/>
               <a:t>‹#›</a:t>
             </a:fld>
@@ -2438,7 +2438,7 @@
     </p:spTree>
     <p:extLst>
       <p:ext uri="{BB962C8B-B14F-4D97-AF65-F5344CB8AC3E}">
-        <p14:creationId xmlns:p14="http://schemas.microsoft.com/office/powerpoint/2010/main" val="2746399149"/>
+        <p14:creationId xmlns:p14="http://schemas.microsoft.com/office/powerpoint/2010/main" val="1546887975"/>
       </p:ext>
     </p:extLst>
   </p:cSld>
@@ -2470,7 +2470,7 @@
           <p:cNvPr id="2" name="标题 1">
             <a:extLst>
               <a:ext uri="{FF2B5EF4-FFF2-40B4-BE49-F238E27FC236}">
-                <a16:creationId xmlns:a16="http://schemas.microsoft.com/office/drawing/2014/main" id="{6A677E47-1459-92C6-339A-03C10F666D9D}"/>
+                <a16:creationId xmlns:a16="http://schemas.microsoft.com/office/drawing/2014/main" id="{99CA6043-4C9E-B9E7-1BAF-E74367CE08ED}"/>
               </a:ext>
             </a:extLst>
           </p:cNvPr>
@@ -2507,7 +2507,7 @@
           <p:cNvPr id="3" name="图片占位符 2">
             <a:extLst>
               <a:ext uri="{FF2B5EF4-FFF2-40B4-BE49-F238E27FC236}">
-                <a16:creationId xmlns:a16="http://schemas.microsoft.com/office/drawing/2014/main" id="{F1523534-E95C-2EEB-FA14-7774FB5E8260}"/>
+                <a16:creationId xmlns:a16="http://schemas.microsoft.com/office/drawing/2014/main" id="{6190B126-235F-E9B4-FC2B-A46A946FCD71}"/>
               </a:ext>
             </a:extLst>
           </p:cNvPr>
@@ -2574,7 +2574,7 @@
           <p:cNvPr id="4" name="文本占位符 3">
             <a:extLst>
               <a:ext uri="{FF2B5EF4-FFF2-40B4-BE49-F238E27FC236}">
-                <a16:creationId xmlns:a16="http://schemas.microsoft.com/office/drawing/2014/main" id="{EB6E7607-2B40-DE80-61BB-8831E0A79BD0}"/>
+                <a16:creationId xmlns:a16="http://schemas.microsoft.com/office/drawing/2014/main" id="{73014457-B8A8-6154-1383-6AE17E526CD4}"/>
               </a:ext>
             </a:extLst>
           </p:cNvPr>
@@ -2645,7 +2645,7 @@
           <p:cNvPr id="5" name="日期占位符 4">
             <a:extLst>
               <a:ext uri="{FF2B5EF4-FFF2-40B4-BE49-F238E27FC236}">
-                <a16:creationId xmlns:a16="http://schemas.microsoft.com/office/drawing/2014/main" id="{583CB01B-1DC5-92C1-60A2-C83441036467}"/>
+                <a16:creationId xmlns:a16="http://schemas.microsoft.com/office/drawing/2014/main" id="{6F34924B-D7D3-58E0-9DA7-ECF6DDE0CE1C}"/>
               </a:ext>
             </a:extLst>
           </p:cNvPr>
@@ -2661,7 +2661,7 @@
           <a:bodyPr/>
           <a:lstStyle/>
           <a:p>
-            <a:fld id="{39E595A5-6CF5-404B-9E4F-3B9AB397BABD}" type="datetimeFigureOut">
+            <a:fld id="{6900C9B0-4FF3-4BF4-A8C9-24DA1F487F24}" type="datetimeFigureOut">
               <a:rPr lang="zh-CN" altLang="en-US" smtClean="0"/>
               <a:t>2024/3/10</a:t>
             </a:fld>
@@ -2674,7 +2674,7 @@
           <p:cNvPr id="6" name="页脚占位符 5">
             <a:extLst>
               <a:ext uri="{FF2B5EF4-FFF2-40B4-BE49-F238E27FC236}">
-                <a16:creationId xmlns:a16="http://schemas.microsoft.com/office/drawing/2014/main" id="{9AB254DD-B70B-B246-A4C9-E1D452AFEB1F}"/>
+                <a16:creationId xmlns:a16="http://schemas.microsoft.com/office/drawing/2014/main" id="{27B1B6DD-BB73-C3BF-2DDC-104F74BB458A}"/>
               </a:ext>
             </a:extLst>
           </p:cNvPr>
@@ -2699,7 +2699,7 @@
           <p:cNvPr id="7" name="灯片编号占位符 6">
             <a:extLst>
               <a:ext uri="{FF2B5EF4-FFF2-40B4-BE49-F238E27FC236}">
-                <a16:creationId xmlns:a16="http://schemas.microsoft.com/office/drawing/2014/main" id="{A82D24C7-B7BD-BFE2-67FD-8471C192FE12}"/>
+                <a16:creationId xmlns:a16="http://schemas.microsoft.com/office/drawing/2014/main" id="{054CC324-E4AD-75FB-9BBA-5B397CC65578}"/>
               </a:ext>
             </a:extLst>
           </p:cNvPr>
@@ -2715,7 +2715,7 @@
           <a:bodyPr/>
           <a:lstStyle/>
           <a:p>
-            <a:fld id="{20638BB8-2F14-48D5-9495-98DA8E1EBC8E}" type="slidenum">
+            <a:fld id="{E45BB827-60FE-42DC-8FC7-548355BEE920}" type="slidenum">
               <a:rPr lang="zh-CN" altLang="en-US" smtClean="0"/>
               <a:t>‹#›</a:t>
             </a:fld>
@@ -2726,7 +2726,7 @@
     </p:spTree>
     <p:extLst>
       <p:ext uri="{BB962C8B-B14F-4D97-AF65-F5344CB8AC3E}">
-        <p14:creationId xmlns:p14="http://schemas.microsoft.com/office/powerpoint/2010/main" val="39833915"/>
+        <p14:creationId xmlns:p14="http://schemas.microsoft.com/office/powerpoint/2010/main" val="227467034"/>
       </p:ext>
     </p:extLst>
   </p:cSld>
@@ -2763,7 +2763,7 @@
           <p:cNvPr id="2" name="标题占位符 1">
             <a:extLst>
               <a:ext uri="{FF2B5EF4-FFF2-40B4-BE49-F238E27FC236}">
-                <a16:creationId xmlns:a16="http://schemas.microsoft.com/office/drawing/2014/main" id="{940BE035-63B0-5333-B422-8B22C32187A7}"/>
+                <a16:creationId xmlns:a16="http://schemas.microsoft.com/office/drawing/2014/main" id="{410D2277-6075-D07A-BDEB-576FBF06C25A}"/>
               </a:ext>
             </a:extLst>
           </p:cNvPr>
@@ -2801,7 +2801,7 @@
           <p:cNvPr id="3" name="文本占位符 2">
             <a:extLst>
               <a:ext uri="{FF2B5EF4-FFF2-40B4-BE49-F238E27FC236}">
-                <a16:creationId xmlns:a16="http://schemas.microsoft.com/office/drawing/2014/main" id="{5C10D58E-48D8-A820-80AF-0137B6881604}"/>
+                <a16:creationId xmlns:a16="http://schemas.microsoft.com/office/drawing/2014/main" id="{43A8DCC6-FB6E-8EBE-C129-35A0C396FAA5}"/>
               </a:ext>
             </a:extLst>
           </p:cNvPr>
@@ -2868,7 +2868,7 @@
           <p:cNvPr id="4" name="日期占位符 3">
             <a:extLst>
               <a:ext uri="{FF2B5EF4-FFF2-40B4-BE49-F238E27FC236}">
-                <a16:creationId xmlns:a16="http://schemas.microsoft.com/office/drawing/2014/main" id="{156671B9-32BC-9100-06E2-25DC9C8F2AC0}"/>
+                <a16:creationId xmlns:a16="http://schemas.microsoft.com/office/drawing/2014/main" id="{5940C003-D10C-7EDB-B44D-955660CC0BC2}"/>
               </a:ext>
             </a:extLst>
           </p:cNvPr>
@@ -2902,7 +2902,7 @@
             </a:lvl1pPr>
           </a:lstStyle>
           <a:p>
-            <a:fld id="{39E595A5-6CF5-404B-9E4F-3B9AB397BABD}" type="datetimeFigureOut">
+            <a:fld id="{6900C9B0-4FF3-4BF4-A8C9-24DA1F487F24}" type="datetimeFigureOut">
               <a:rPr lang="zh-CN" altLang="en-US" smtClean="0"/>
               <a:t>2024/3/10</a:t>
             </a:fld>
@@ -2915,7 +2915,7 @@
           <p:cNvPr id="5" name="页脚占位符 4">
             <a:extLst>
               <a:ext uri="{FF2B5EF4-FFF2-40B4-BE49-F238E27FC236}">
-                <a16:creationId xmlns:a16="http://schemas.microsoft.com/office/drawing/2014/main" id="{CC6AE1C0-9F14-C56A-4EA5-183C9CDC8668}"/>
+                <a16:creationId xmlns:a16="http://schemas.microsoft.com/office/drawing/2014/main" id="{2FB8DEB7-5395-06E7-6CFD-EF0C536A9B41}"/>
               </a:ext>
             </a:extLst>
           </p:cNvPr>
@@ -2958,7 +2958,7 @@
           <p:cNvPr id="6" name="灯片编号占位符 5">
             <a:extLst>
               <a:ext uri="{FF2B5EF4-FFF2-40B4-BE49-F238E27FC236}">
-                <a16:creationId xmlns:a16="http://schemas.microsoft.com/office/drawing/2014/main" id="{40326550-4470-C1A6-6CF1-71301532EE65}"/>
+                <a16:creationId xmlns:a16="http://schemas.microsoft.com/office/drawing/2014/main" id="{1FB7B404-FA86-F54C-C629-9AFB5EE9C0A3}"/>
               </a:ext>
             </a:extLst>
           </p:cNvPr>
@@ -2992,7 +2992,7 @@
             </a:lvl1pPr>
           </a:lstStyle>
           <a:p>
-            <a:fld id="{20638BB8-2F14-48D5-9495-98DA8E1EBC8E}" type="slidenum">
+            <a:fld id="{E45BB827-60FE-42DC-8FC7-548355BEE920}" type="slidenum">
               <a:rPr lang="zh-CN" altLang="en-US" smtClean="0"/>
               <a:t>‹#›</a:t>
             </a:fld>
@@ -3003,7 +3003,7 @@
     </p:spTree>
     <p:extLst>
       <p:ext uri="{BB962C8B-B14F-4D97-AF65-F5344CB8AC3E}">
-        <p14:creationId xmlns:p14="http://schemas.microsoft.com/office/powerpoint/2010/main" val="1643987129"/>
+        <p14:creationId xmlns:p14="http://schemas.microsoft.com/office/powerpoint/2010/main" val="2670738570"/>
       </p:ext>
     </p:extLst>
   </p:cSld>
@@ -3323,7 +3323,7 @@
       </p:grpSpPr>
       <p:pic>
         <p:nvPicPr>
-          <p:cNvPr id="630786" name="Picture 2" descr="615"/>
+          <p:cNvPr id="631810" name="Picture 2" descr="616"/>
           <p:cNvPicPr>
             <a:picLocks noChangeAspect="1" noChangeArrowheads="1"/>
           </p:cNvPicPr>
